--- a/Machine Vision/lectures/23_TrainingVsGeneralizing_.pptx
+++ b/Machine Vision/lectures/23_TrainingVsGeneralizing_.pptx
@@ -1713,7 +1713,7 @@
           <inkml:channelProperty channel="OE" name="resolution" value="1000" units="1/deg"/>
         </inkml:channelProperties>
       </inkml:inkSource>
-      <inkml:timestamp xml:id="ts0" timeString="2023-12-11T13:53:21.063"/>
+      <inkml:timestamp xml:id="ts0" timeString="2023-12-11T13:54:02.847"/>
     </inkml:context>
     <inkml:brush xml:id="br0">
       <inkml:brushProperty name="width" value="0.1" units="cm"/>
@@ -1721,7 +1721,7 @@
       <inkml:brushProperty name="color" value="#004F8B"/>
     </inkml:brush>
   </inkml:definitions>
-  <inkml:trace contextRef="#ctx0" brushRef="#br0">1 539 4319 0 0,'96'7'809'0'0,"171"-9"0"0"0,95-35-143 0 0,-92-8-397 0 0,-26 4-70 0 0,-11 7-16 0 0,264-33-91 0 0,212 6 574 0 0,-2 26 1056 0 0,-509 31-664 0 0,198-7 1395 0 0,-1-20-452 0 0,246-93 55 0 0,-536 97-1900 0 0,-3 1-215 0 0</inkml:trace>
+  <inkml:trace contextRef="#ctx0" brushRef="#br0">59 1 3311 0 0,'-58'91'288'0'0</inkml:trace>
 </inkml:ink>
 </file>
 
@@ -1745,7 +1745,7 @@
           <inkml:channelProperty channel="OE" name="resolution" value="1000" units="1/deg"/>
         </inkml:channelProperties>
       </inkml:inkSource>
-      <inkml:timestamp xml:id="ts0" timeString="2023-12-11T13:53:22.039"/>
+      <inkml:timestamp xml:id="ts0" timeString="2023-12-11T13:54:03.733"/>
     </inkml:context>
     <inkml:brush xml:id="br0">
       <inkml:brushProperty name="width" value="0.1" units="cm"/>
@@ -1753,7 +1753,7 @@
       <inkml:brushProperty name="color" value="#004F8B"/>
     </inkml:brush>
   </inkml:definitions>
-  <inkml:trace contextRef="#ctx0" brushRef="#br0">0 159 3655 0 0,'15'-7'320'0'0,"2"-1"-256"0"0,0-2-64 0 0,1-2 0 0 0,3-1 576 0 0,-1-2 96 0 0,-6 2 16 0 0,2-1 8 0 0,3-1-320 0 0,-4 2-64 0 0,-6 1-16 0 0,1 2 0 0 0,2 0-160 0 0,-5 4 64 0 0</inkml:trace>
+  <inkml:trace contextRef="#ctx0" brushRef="#br0">950 1523 2791 0 0,'18'-314'460'0'0,"-18"311"-448"0"0,-5-224 620 0 0,-16 1-231 0 0,7 92-235 0 0,-15-99-5 0 0,-20-103 1671 0 0,49 331-1654 0 0,-1-1 0 0 0,0 1 0 0 0,-1 0 0 0 0,1-1 0 0 0,-1 1 0 0 0,0 0 0 0 0,-5-7 0 0 0,4 12 391 0 0,0 0 1 0 0,0 0-1 0 0,0 0 0 0 0,0 1 0 0 0,-4 0 3 0 0,3 2 425 0 0,-10 9-491 0 0,1 1 0 0 0,0 0 0 0 0,1 1 0 0 0,-16 24 0 0 0,-39 71 1167 0 0,37-56-1472 0 0,4 2 1 0 0,1 0 0 0 0,-17 63-1 0 0,-25 84 116 0 0,-67 228 589 0 0,59-158-488 0 0,-48 201 1456 0 0,107-392-1402 0 0,-35 218 1637 0 0,49-287-2033 0 0,2 1-1 0 0,0-1 0 0 0,0 0 1 0 0,1 0-1 0 0,0 0 0 0 0,1 0 1 0 0,0-1-1 0 0,9 24 0 0 0,-9-30-76 0 0,0 1-1 0 0,1-1 1 0 0,0 0-1 0 0,0 0 1 0 0,0 0-1 0 0,1 0 0 0 0,0-1 1 0 0,0 1-1 0 0,0-1 1 0 0,0 0-1 0 0,1 0 1 0 0,-1 0-1 0 0,1-1 0 0 0,0 1 1 0 0,0-1-1 0 0,0 0 1 0 0,1-1-1 0 0,-1 0 1 0 0,1 1-1 0 0,5 0 0 0 0,1 0 11 0 0,-1-2 0 0 0,1 1-1 0 0,-1-1 1 0 0,1-1-1 0 0,0 0 1 0 0,-1-1 0 0 0,1 0-1 0 0,20-5 1 0 0,-14 2-10 0 0,0-1 1 0 0,-1-1-1 0 0,0-1 1 0 0,32-17-1 0 0,-12 1 53 0 0,54-44-1 0 0,28-36 246 0 0,-41 34-113 0 0,-35 33-135 0 0,42-36 203 0 0,99-108-1 0 0,-115 104-187 0 0,68-83 148 0 0,-57 48-133 0 0,-68 92-28 0 0,-2 0-1 0 0,0-1 1 0 0,0-1 0 0 0,6-22-1 0 0,-15 38-29 0 0,0 0 1 0 0,0 0-1 0 0,-1 0 1 0 0,1 0-1 0 0,-1-5 0 0 0,0 9-17 0 0,-1 0 7 0 0,1 1 0 0 0,0-1 0 0 0,-1 1 0 0 0,1-1 0 0 0,-1 1 0 0 0,1-1 0 0 0,-1 1 0 0 0,1-1 0 0 0,-1 1 0 0 0,1 0 0 0 0,-1-1 0 0 0,0 1 0 0 0,1 0 0 0 0,-1 0 0 0 0,1-1 0 0 0,-2 1 0 0 0,-1-1 7 0 0,1 0 1 0 0,-1 1 0 0 0,1-1-1 0 0,-1 1 1 0 0,0-1-1 0 0,1 1 1 0 0,-1 0 0 0 0,0 0-1 0 0,1 0 1 0 0,-1 0-1 0 0,0 1 1 0 0,-4 0 0 0 0,2 0 21 0 0,-9 3 66 0 0,0 0 0 0 0,0 1-1 0 0,0 0 1 0 0,0 1 0 0 0,-20 12-1 0 0,1 0 68 0 0,-3 0-11 0 0,7-4-23 0 0,-34 14 0 0 0,34-18-75 0 0,-136 41-21 0 0,-90-1 159 0 0,121-21-175 0 0,-57 14 25 0 0,140-28-38 0 0,-84 34 0 0 0,122-43-9 0 0,1 0 0 0 0,1 0-1 0 0,-1 1 1 0 0,1 1 0 0 0,0 0 0 0 0,-15 14-1 0 0,23-19-1 0 0,0 0-1 0 0,0 1 0 0 0,0-1 0 0 0,0 1 0 0 0,1 0 0 0 0,-1-1 0 0 0,1 1 1 0 0,0 0-1 0 0,0 0 0 0 0,1 1 0 0 0,-1-1 0 0 0,1 0 0 0 0,0 1 0 0 0,0-1 1 0 0,0 0-1 0 0,1 1 0 0 0,0-1 0 0 0,-1 1 0 0 0,2-1 0 0 0,-1 1 0 0 0,0-1 1 0 0,3 9-1 0 0,2 3 16 0 0,1-1 1 0 0,0 1 0 0 0,1-1 0 0 0,1-1-1 0 0,1 0 1 0 0,0 0 0 0 0,0 0-1 0 0,2-1 1 0 0,-1-1 0 0 0,14 12-1 0 0,4 1-8 0 0,0-1 0 0 0,2-1 0 0 0,45 26 0 0 0,-42-31 11 0 0,1-1 0 0 0,1-1 1 0 0,0-2-1 0 0,1-2 0 0 0,0-1 0 0 0,49 8 0 0 0,-38-12-64 0 0,-1-2 0 0 0,1-2 0 0 0,0-2 0 0 0,80-9 0 0 0,-71 1 36 0 0,83-20 0 0 0,-120 22 7 0 0,-1-1 0 0 0,0-1 0 0 0,0 0 0 0 0,-1-1 1 0 0,0-1-1 0 0,-1-1 0 0 0,1 0 0 0 0,18-17 0 0 0,-29 21 0 0 0,0 0 1 0 0,-1 0-1 0 0,1 0 1 0 0,-1-1-1 0 0,-1 1 1 0 0,1-1-1 0 0,-1-1 0 0 0,0 1 1 0 0,-1 0-1 0 0,0-1 1 0 0,0 0-1 0 0,0 0 0 0 0,-1 0 1 0 0,0 0-1 0 0,-1 0 1 0 0,0 0-1 0 0,0 0 0 0 0,-1-1 1 0 0,0 1-1 0 0,0 0 1 0 0,-1-1-1 0 0,0 1 1 0 0,-1 0-1 0 0,1 0 0 0 0,-5-10 1 0 0,4 11 2 0 0,-1-1 0 0 0,0 1 1 0 0,0 0-1 0 0,-1 0 0 0 0,0 0 1 0 0,0 0-1 0 0,-1 1 0 0 0,0-1 1 0 0,0 1-1 0 0,0 0 0 0 0,-1 1 1 0 0,0-1-1 0 0,0 1 0 0 0,0 0 1 0 0,-10-5-1 0 0,-26-12-484 0 0,-74-26 1 0 0,46 23-4099 0 0,46 16 1683 0 0,-49-17-5708 0 0</inkml:trace>
 </inkml:ink>
 </file>
 
@@ -1789,328 +1789,6 @@
 </inkml:ink>
 </file>
 
-<file path=ppt/ink/ink140.xml><?xml version="1.0" encoding="utf-8"?>
-<inkml:ink xmlns:inkml="http://www.w3.org/2003/InkML">
-  <inkml:definitions>
-    <inkml:context xml:id="ctx0">
-      <inkml:inkSource xml:id="inkSrc0">
-        <inkml:traceFormat>
-          <inkml:channel name="X" type="integer" min="-2.14748E9" max="2.14748E9" units="cm"/>
-          <inkml:channel name="Y" type="integer" min="-2.14748E9" max="2.14748E9" units="cm"/>
-          <inkml:channel name="F" type="integer" max="32767" units="dev"/>
-          <inkml:channel name="OA" type="integer" max="360" units="deg"/>
-          <inkml:channel name="OE" type="integer" max="90" units="deg"/>
-        </inkml:traceFormat>
-        <inkml:channelProperties>
-          <inkml:channelProperty channel="X" name="resolution" value="1000" units="1/cm"/>
-          <inkml:channelProperty channel="Y" name="resolution" value="1000" units="1/cm"/>
-          <inkml:channelProperty channel="F" name="resolution" value="0" units="1/dev"/>
-          <inkml:channelProperty channel="OA" name="resolution" value="1000" units="1/deg"/>
-          <inkml:channelProperty channel="OE" name="resolution" value="1000" units="1/deg"/>
-        </inkml:channelProperties>
-      </inkml:inkSource>
-      <inkml:timestamp xml:id="ts0" timeString="2023-12-11T13:53:22.377"/>
-    </inkml:context>
-    <inkml:brush xml:id="br0">
-      <inkml:brushProperty name="width" value="0.1" units="cm"/>
-      <inkml:brushProperty name="height" value="0.1" units="cm"/>
-      <inkml:brushProperty name="color" value="#004F8B"/>
-    </inkml:brush>
-  </inkml:definitions>
-  <inkml:trace contextRef="#ctx0" brushRef="#br0">141 0 2039 0 0,'1'1'154'0'0,"3"3"73"0"0,-2 0 1 0 0,1 0 0 0 0,0 0 0 0 0,-1 0-1 0 0,0 0 1 0 0,0 1 0 0 0,0-1-1 0 0,0 1 1 0 0,-1-1 0 0 0,0 1-1 0 0,0 0 1 0 0,0-1 0 0 0,-1 1 0 0 0,1 0-1 0 0,-1 0 1 0 0,0-1 0 0 0,-1 10-1 0 0,-2 8 449 0 0,-1-1-1 0 0,-10 34 0 0 0,12-45-615 0 0,-22 63 534 0 0,-3 0 1 0 0,-42 81 0 0 0,62-140-311 0 0,4-10-233 0 0,1 0 0 0 0,0 0 0 0 0,0 1-1 0 0,0-1 1 0 0,0 1 0 0 0,1-1 0 0 0,0 1 0 0 0,0 0 0 0 0,-1 5 0 0 0</inkml:trace>
-</inkml:ink>
-</file>
-
-<file path=ppt/ink/ink141.xml><?xml version="1.0" encoding="utf-8"?>
-<inkml:ink xmlns:inkml="http://www.w3.org/2003/InkML">
-  <inkml:definitions>
-    <inkml:context xml:id="ctx0">
-      <inkml:inkSource xml:id="inkSrc0">
-        <inkml:traceFormat>
-          <inkml:channel name="X" type="integer" min="-2.14748E9" max="2.14748E9" units="cm"/>
-          <inkml:channel name="Y" type="integer" min="-2.14748E9" max="2.14748E9" units="cm"/>
-          <inkml:channel name="F" type="integer" max="32767" units="dev"/>
-          <inkml:channel name="OA" type="integer" max="360" units="deg"/>
-          <inkml:channel name="OE" type="integer" max="90" units="deg"/>
-        </inkml:traceFormat>
-        <inkml:channelProperties>
-          <inkml:channelProperty channel="X" name="resolution" value="1000" units="1/cm"/>
-          <inkml:channelProperty channel="Y" name="resolution" value="1000" units="1/cm"/>
-          <inkml:channelProperty channel="F" name="resolution" value="0" units="1/dev"/>
-          <inkml:channelProperty channel="OA" name="resolution" value="1000" units="1/deg"/>
-          <inkml:channelProperty channel="OE" name="resolution" value="1000" units="1/deg"/>
-        </inkml:channelProperties>
-      </inkml:inkSource>
-      <inkml:timestamp xml:id="ts0" timeString="2023-12-11T13:53:22.757"/>
-    </inkml:context>
-    <inkml:brush xml:id="br0">
-      <inkml:brushProperty name="width" value="0.1" units="cm"/>
-      <inkml:brushProperty name="height" value="0.1" units="cm"/>
-      <inkml:brushProperty name="color" value="#004F8B"/>
-    </inkml:brush>
-  </inkml:definitions>
-  <inkml:trace contextRef="#ctx0" brushRef="#br0">1 140 2039 0 0,'9'-8'80'0'0,"0"0"-1"0"0,0-1 1 0 0,-1 0-1 0 0,0 0 1 0 0,-1 0-1 0 0,12-19 1 0 0,-7 10 1161 0 0,8-19 5841 0 0,-17 32-5788 0 0</inkml:trace>
-</inkml:ink>
-</file>
-
-<file path=ppt/ink/ink142.xml><?xml version="1.0" encoding="utf-8"?>
-<inkml:ink xmlns:inkml="http://www.w3.org/2003/InkML">
-  <inkml:definitions>
-    <inkml:context xml:id="ctx0">
-      <inkml:inkSource xml:id="inkSrc0">
-        <inkml:traceFormat>
-          <inkml:channel name="X" type="integer" min="-2.14748E9" max="2.14748E9" units="cm"/>
-          <inkml:channel name="Y" type="integer" min="-2.14748E9" max="2.14748E9" units="cm"/>
-          <inkml:channel name="F" type="integer" max="32767" units="dev"/>
-          <inkml:channel name="OA" type="integer" max="360" units="deg"/>
-          <inkml:channel name="OE" type="integer" max="90" units="deg"/>
-        </inkml:traceFormat>
-        <inkml:channelProperties>
-          <inkml:channelProperty channel="X" name="resolution" value="1000" units="1/cm"/>
-          <inkml:channelProperty channel="Y" name="resolution" value="1000" units="1/cm"/>
-          <inkml:channelProperty channel="F" name="resolution" value="0" units="1/dev"/>
-          <inkml:channelProperty channel="OA" name="resolution" value="1000" units="1/deg"/>
-          <inkml:channelProperty channel="OE" name="resolution" value="1000" units="1/deg"/>
-        </inkml:channelProperties>
-      </inkml:inkSource>
-      <inkml:timestamp xml:id="ts0" timeString="2023-12-11T13:53:23.148"/>
-    </inkml:context>
-    <inkml:brush xml:id="br0">
-      <inkml:brushProperty name="width" value="0.1" units="cm"/>
-      <inkml:brushProperty name="height" value="0.1" units="cm"/>
-      <inkml:brushProperty name="color" value="#004F8B"/>
-    </inkml:brush>
-  </inkml:definitions>
-  <inkml:trace contextRef="#ctx0" brushRef="#br0">140 401 2991 0 0,'0'0'351'0'0,"1"11"2140"0"0,-7 3-1243 0 0,4-10-936 0 0,1 0 1 0 0,-1 0 0 0 0,0 0 0 0 0,-1 0-1 0 0,1 0 1 0 0,-1-1 0 0 0,1 1 0 0 0,-1-1-1 0 0,0 1 1 0 0,-6 4 0 0 0,3-4 147 0 0,-1 1 0 0 0,1-1 0 0 0,-1-1 1 0 0,-13 6-1 0 0,18-8-592 0 0,0 0 1 0 0,1-1 0 0 0,-1 1-1 0 0,0-1 1 0 0,0 1 0 0 0,0-1 0 0 0,0 0-1 0 0,0 0 1 0 0,0 0 0 0 0,0 0-1 0 0,1 0 1 0 0,-1 0 0 0 0,0-1-1 0 0,0 1 1 0 0,0-1 0 0 0,0 1-1 0 0,0-1 1 0 0,1 0 0 0 0,-1 1-1 0 0,0-1 1 0 0,1 0 0 0 0,-1 0-1 0 0,0 0 1 0 0,1-1 0 0 0,-3-1-1 0 0,-3-8-3908 0 0</inkml:trace>
-  <inkml:trace contextRef="#ctx0" brushRef="#br0" timeOffset="1">162 0 4663 0 0,'90'149'1807'0'0,"-21"-33"2082"0"0,-57-96-2981 0 0,0-2 586 0 0,0 0 1 0 0,29 31-1 0 0,-14-22-524 0 0,2-1-1 0 0,48 34 1 0 0</inkml:trace>
-</inkml:ink>
-</file>
-
-<file path=ppt/ink/ink143.xml><?xml version="1.0" encoding="utf-8"?>
-<inkml:ink xmlns:inkml="http://www.w3.org/2003/InkML">
-  <inkml:definitions>
-    <inkml:context xml:id="ctx0">
-      <inkml:inkSource xml:id="inkSrc0">
-        <inkml:traceFormat>
-          <inkml:channel name="X" type="integer" min="-2.14748E9" max="2.14748E9" units="cm"/>
-          <inkml:channel name="Y" type="integer" min="-2.14748E9" max="2.14748E9" units="cm"/>
-          <inkml:channel name="F" type="integer" max="32767" units="dev"/>
-          <inkml:channel name="OA" type="integer" max="360" units="deg"/>
-          <inkml:channel name="OE" type="integer" max="90" units="deg"/>
-        </inkml:traceFormat>
-        <inkml:channelProperties>
-          <inkml:channelProperty channel="X" name="resolution" value="1000" units="1/cm"/>
-          <inkml:channelProperty channel="Y" name="resolution" value="1000" units="1/cm"/>
-          <inkml:channelProperty channel="F" name="resolution" value="0" units="1/dev"/>
-          <inkml:channelProperty channel="OA" name="resolution" value="1000" units="1/deg"/>
-          <inkml:channelProperty channel="OE" name="resolution" value="1000" units="1/deg"/>
-        </inkml:channelProperties>
-      </inkml:inkSource>
-      <inkml:timestamp xml:id="ts0" timeString="2023-12-11T13:53:23.524"/>
-    </inkml:context>
-    <inkml:brush xml:id="br0">
-      <inkml:brushProperty name="width" value="0.1" units="cm"/>
-      <inkml:brushProperty name="height" value="0.1" units="cm"/>
-      <inkml:brushProperty name="color" value="#004F8B"/>
-    </inkml:brush>
-  </inkml:definitions>
-  <inkml:trace contextRef="#ctx0" brushRef="#br0">45 1 5783 0 0,'0'15'128'0'0,"-3"3"24"0"0,-4-3 8 0 0,1 3 0 0 0,1 1-160 0 0,0-1 0 0 0,-3 0 0 0 0,1 0-1680 0 0,4-1-368 0 0</inkml:trace>
-</inkml:ink>
-</file>
-
-<file path=ppt/ink/ink144.xml><?xml version="1.0" encoding="utf-8"?>
-<inkml:ink xmlns:inkml="http://www.w3.org/2003/InkML">
-  <inkml:definitions>
-    <inkml:context xml:id="ctx0">
-      <inkml:inkSource xml:id="inkSrc0">
-        <inkml:traceFormat>
-          <inkml:channel name="X" type="integer" min="-2.14748E9" max="2.14748E9" units="cm"/>
-          <inkml:channel name="Y" type="integer" min="-2.14748E9" max="2.14748E9" units="cm"/>
-          <inkml:channel name="F" type="integer" max="32767" units="dev"/>
-          <inkml:channel name="OA" type="integer" max="360" units="deg"/>
-          <inkml:channel name="OE" type="integer" max="90" units="deg"/>
-        </inkml:traceFormat>
-        <inkml:channelProperties>
-          <inkml:channelProperty channel="X" name="resolution" value="1000" units="1/cm"/>
-          <inkml:channelProperty channel="Y" name="resolution" value="1000" units="1/cm"/>
-          <inkml:channelProperty channel="F" name="resolution" value="0" units="1/dev"/>
-          <inkml:channelProperty channel="OA" name="resolution" value="1000" units="1/deg"/>
-          <inkml:channelProperty channel="OE" name="resolution" value="1000" units="1/deg"/>
-        </inkml:channelProperties>
-      </inkml:inkSource>
-      <inkml:timestamp xml:id="ts0" timeString="2023-12-11T13:53:23.886"/>
-    </inkml:context>
-    <inkml:brush xml:id="br0">
-      <inkml:brushProperty name="width" value="0.1" units="cm"/>
-      <inkml:brushProperty name="height" value="0.1" units="cm"/>
-      <inkml:brushProperty name="color" value="#004F8B"/>
-    </inkml:brush>
-  </inkml:definitions>
-  <inkml:trace contextRef="#ctx0" brushRef="#br0">0 389 2959 0 0,'3'0'220'0'0,"8"1"10"0"0,0-1-1 0 0,0-1 1 0 0,-1 0-1 0 0,1 0 1 0 0,0-1-1 0 0,0-1 1 0 0,-1 1-1 0 0,1-2 0 0 0,-1 1 1 0 0,11-7-1 0 0,15-8 357 0 0,48-33 0 0 0,-18 10-270 0 0,87-34 764 0 0,-78 41-80 0 0,88-53 0 0 0,-148 77-849 0 0,0 1 0 0 0,1 1 0 0 0,0 0 0 0 0,30-9 0 0 0,-41 16-124 0 0,0 0 1 0 0,0 0-1 0 0,0 0 0 0 0,0 1 1 0 0,0-1-1 0 0,0 1 0 0 0,0 1 1 0 0,0-1-1 0 0,8 2 0 0 0,-10-1-17 0 0,0 0-1 0 0,0 1 0 0 0,0-1 0 0 0,0 0 1 0 0,0 1-1 0 0,0 0 0 0 0,0 0 0 0 0,0 0 1 0 0,-1 0-1 0 0,1 0 0 0 0,-1 0 0 0 0,0 1 1 0 0,1-1-1 0 0,-1 1 0 0 0,3 5 0 0 0,14 31 401 0 0,-5-11-3893 0 0</inkml:trace>
-</inkml:ink>
-</file>
-
-<file path=ppt/ink/ink145.xml><?xml version="1.0" encoding="utf-8"?>
-<inkml:ink xmlns:inkml="http://www.w3.org/2003/InkML">
-  <inkml:definitions>
-    <inkml:context xml:id="ctx0">
-      <inkml:inkSource xml:id="inkSrc0">
-        <inkml:traceFormat>
-          <inkml:channel name="X" type="integer" min="-2.14748E9" max="2.14748E9" units="cm"/>
-          <inkml:channel name="Y" type="integer" min="-2.14748E9" max="2.14748E9" units="cm"/>
-          <inkml:channel name="F" type="integer" max="32767" units="dev"/>
-          <inkml:channel name="OA" type="integer" max="360" units="deg"/>
-          <inkml:channel name="OE" type="integer" max="90" units="deg"/>
-        </inkml:traceFormat>
-        <inkml:channelProperties>
-          <inkml:channelProperty channel="X" name="resolution" value="1000" units="1/cm"/>
-          <inkml:channelProperty channel="Y" name="resolution" value="1000" units="1/cm"/>
-          <inkml:channelProperty channel="F" name="resolution" value="0" units="1/dev"/>
-          <inkml:channelProperty channel="OA" name="resolution" value="1000" units="1/deg"/>
-          <inkml:channelProperty channel="OE" name="resolution" value="1000" units="1/deg"/>
-        </inkml:channelProperties>
-      </inkml:inkSource>
-      <inkml:timestamp xml:id="ts0" timeString="2023-12-11T13:53:24.274"/>
-    </inkml:context>
-    <inkml:brush xml:id="br0">
-      <inkml:brushProperty name="width" value="0.1" units="cm"/>
-      <inkml:brushProperty name="height" value="0.1" units="cm"/>
-      <inkml:brushProperty name="color" value="#004F8B"/>
-    </inkml:brush>
-  </inkml:definitions>
-  <inkml:trace contextRef="#ctx0" brushRef="#br0">0 34 4175 0 0,'10'-4'368'0'0,"-2"3"-296"0"0,6-6 688 0 0,-3 2 1056 0 0,-4 0-888 0 0,5 0-256 0 0,-6 2 1160 0 0,3 0-1520 0 0</inkml:trace>
-</inkml:ink>
-</file>
-
-<file path=ppt/ink/ink146.xml><?xml version="1.0" encoding="utf-8"?>
-<inkml:ink xmlns:inkml="http://www.w3.org/2003/InkML">
-  <inkml:definitions>
-    <inkml:context xml:id="ctx0">
-      <inkml:inkSource xml:id="inkSrc0">
-        <inkml:traceFormat>
-          <inkml:channel name="X" type="integer" min="-2.14748E9" max="2.14748E9" units="cm"/>
-          <inkml:channel name="Y" type="integer" min="-2.14748E9" max="2.14748E9" units="cm"/>
-          <inkml:channel name="F" type="integer" max="32767" units="dev"/>
-          <inkml:channel name="OA" type="integer" max="360" units="deg"/>
-          <inkml:channel name="OE" type="integer" max="90" units="deg"/>
-        </inkml:traceFormat>
-        <inkml:channelProperties>
-          <inkml:channelProperty channel="X" name="resolution" value="1000" units="1/cm"/>
-          <inkml:channelProperty channel="Y" name="resolution" value="1000" units="1/cm"/>
-          <inkml:channelProperty channel="F" name="resolution" value="0" units="1/dev"/>
-          <inkml:channelProperty channel="OA" name="resolution" value="1000" units="1/deg"/>
-          <inkml:channelProperty channel="OE" name="resolution" value="1000" units="1/deg"/>
-        </inkml:channelProperties>
-      </inkml:inkSource>
-      <inkml:timestamp xml:id="ts0" timeString="2023-12-11T13:53:24.653"/>
-    </inkml:context>
-    <inkml:brush xml:id="br0">
-      <inkml:brushProperty name="width" value="0.1" units="cm"/>
-      <inkml:brushProperty name="height" value="0.1" units="cm"/>
-      <inkml:brushProperty name="color" value="#004F8B"/>
-    </inkml:brush>
-  </inkml:definitions>
-  <inkml:trace contextRef="#ctx0" brushRef="#br0">112 1 3823 0 0,'1'1'298'0'0,"1"9"156"0"0,1 0 0 0 0,-2 0 0 0 0,1 0 0 0 0,-1 0 0 0 0,-1 14 0 0 0,-1 0 1872 0 0,-5 30 0 0 0,0-28-918 0 0,-1 0 0 0 0,-19 47 1 0 0,17-49-1222 0 0,3-11-922 0 0,-1 0 0 0 0,-14 23 1 0 0,1-5-3280 0 0,8-6 522 0 0</inkml:trace>
-</inkml:ink>
-</file>
-
-<file path=ppt/ink/ink147.xml><?xml version="1.0" encoding="utf-8"?>
-<inkml:ink xmlns:inkml="http://www.w3.org/2003/InkML">
-  <inkml:definitions>
-    <inkml:context xml:id="ctx0">
-      <inkml:inkSource xml:id="inkSrc0">
-        <inkml:traceFormat>
-          <inkml:channel name="X" type="integer" min="-2.14748E9" max="2.14748E9" units="cm"/>
-          <inkml:channel name="Y" type="integer" min="-2.14748E9" max="2.14748E9" units="cm"/>
-          <inkml:channel name="F" type="integer" max="32767" units="dev"/>
-          <inkml:channel name="OA" type="integer" max="360" units="deg"/>
-          <inkml:channel name="OE" type="integer" max="90" units="deg"/>
-        </inkml:traceFormat>
-        <inkml:channelProperties>
-          <inkml:channelProperty channel="X" name="resolution" value="1000" units="1/cm"/>
-          <inkml:channelProperty channel="Y" name="resolution" value="1000" units="1/cm"/>
-          <inkml:channelProperty channel="F" name="resolution" value="0" units="1/dev"/>
-          <inkml:channelProperty channel="OA" name="resolution" value="1000" units="1/deg"/>
-          <inkml:channelProperty channel="OE" name="resolution" value="1000" units="1/deg"/>
-        </inkml:channelProperties>
-      </inkml:inkSource>
-      <inkml:timestamp xml:id="ts0" timeString="2023-12-11T13:53:24.993"/>
-    </inkml:context>
-    <inkml:brush xml:id="br0">
-      <inkml:brushProperty name="width" value="0.1" units="cm"/>
-      <inkml:brushProperty name="height" value="0.1" units="cm"/>
-      <inkml:brushProperty name="color" value="#004F8B"/>
-    </inkml:brush>
-  </inkml:definitions>
-  <inkml:trace contextRef="#ctx0" brushRef="#br0">11 52 2759 0 0,'2'0'207'0'0,"5"0"33"0"0,-1 0 1 0 0,1-1-1 0 0,0 0 0 0 0,11-2 0 0 0,21-10 241 0 0,28-10 686 0 0,-61 20-915 0 0,-3 2-184 0 0,0-1 0 0 0,0 1 1 0 0,0 0-1 0 0,1 0 0 0 0,-1 1 0 0 0,0-1 0 0 0,0 1 0 0 0,1 0 0 0 0,-1-1 1 0 0,7 2-1 0 0,-2 0-7 0 0,-6-1 136 0 0,4 10 311 0 0,-4-7-474 0 0,-1 0-1 0 0,1 1 0 0 0,-1-1 0 0 0,0 1 0 0 0,0-1 0 0 0,-1 1 1 0 0,1-1-1 0 0,-1 1 0 0 0,1-1 0 0 0,-1 1 0 0 0,0-1 1 0 0,-1 1-1 0 0,1 0 0 0 0,-1-1 0 0 0,1 1 0 0 0,-1-1 0 0 0,0 0 1 0 0,-2 5-1 0 0,-3 6 130 0 0,0 0-1 0 0,-1-1 1 0 0,-9 13 0 0 0,8-13-133 0 0,-39 54 942 0 0,3-7 24 0 0,-5 6-610 0 0,27-37 1072 0 0,-3 1 2602 0 0,27-30-3630 0 0,10-5 71 0 0,0 0 1 0 0,-1-1 0 0 0,1-1 0 0 0,20-14 0 0 0,10-6 173 0 0,58-33 988 0 0,51-26-1605 0 0,-132 77-1284 0 0,0 1-3905 0 0,-1 1-1639 0 0</inkml:trace>
-</inkml:ink>
-</file>
-
-<file path=ppt/ink/ink148.xml><?xml version="1.0" encoding="utf-8"?>
-<inkml:ink xmlns:inkml="http://www.w3.org/2003/InkML">
-  <inkml:definitions>
-    <inkml:context xml:id="ctx0">
-      <inkml:inkSource xml:id="inkSrc0">
-        <inkml:traceFormat>
-          <inkml:channel name="X" type="integer" min="-2.14748E9" max="2.14748E9" units="cm"/>
-          <inkml:channel name="Y" type="integer" min="-2.14748E9" max="2.14748E9" units="cm"/>
-          <inkml:channel name="F" type="integer" max="32767" units="dev"/>
-          <inkml:channel name="OA" type="integer" max="360" units="deg"/>
-          <inkml:channel name="OE" type="integer" max="90" units="deg"/>
-        </inkml:traceFormat>
-        <inkml:channelProperties>
-          <inkml:channelProperty channel="X" name="resolution" value="1000" units="1/cm"/>
-          <inkml:channelProperty channel="Y" name="resolution" value="1000" units="1/cm"/>
-          <inkml:channelProperty channel="F" name="resolution" value="0" units="1/dev"/>
-          <inkml:channelProperty channel="OA" name="resolution" value="1000" units="1/deg"/>
-          <inkml:channelProperty channel="OE" name="resolution" value="1000" units="1/deg"/>
-        </inkml:channelProperties>
-      </inkml:inkSource>
-      <inkml:timestamp xml:id="ts0" timeString="2023-12-11T13:53:25.383"/>
-    </inkml:context>
-    <inkml:brush xml:id="br0">
-      <inkml:brushProperty name="width" value="0.1" units="cm"/>
-      <inkml:brushProperty name="height" value="0.1" units="cm"/>
-      <inkml:brushProperty name="color" value="#004F8B"/>
-    </inkml:brush>
-  </inkml:definitions>
-  <inkml:trace contextRef="#ctx0" brushRef="#br0">0 185 4543 0 0,'32'-16'387'0'0,"49"-23"2601"0"0,76-20 5133 0 0,15-6-7230 0 0,-158 60-6252 0 0</inkml:trace>
-</inkml:ink>
-</file>
-
-<file path=ppt/ink/ink149.xml><?xml version="1.0" encoding="utf-8"?>
-<inkml:ink xmlns:inkml="http://www.w3.org/2003/InkML">
-  <inkml:definitions>
-    <inkml:context xml:id="ctx0">
-      <inkml:inkSource xml:id="inkSrc0">
-        <inkml:traceFormat>
-          <inkml:channel name="X" type="integer" min="-2.14748E9" max="2.14748E9" units="cm"/>
-          <inkml:channel name="Y" type="integer" min="-2.14748E9" max="2.14748E9" units="cm"/>
-          <inkml:channel name="F" type="integer" max="32767" units="dev"/>
-          <inkml:channel name="OA" type="integer" max="360" units="deg"/>
-          <inkml:channel name="OE" type="integer" max="90" units="deg"/>
-        </inkml:traceFormat>
-        <inkml:channelProperties>
-          <inkml:channelProperty channel="X" name="resolution" value="1000" units="1/cm"/>
-          <inkml:channelProperty channel="Y" name="resolution" value="1000" units="1/cm"/>
-          <inkml:channelProperty channel="F" name="resolution" value="0" units="1/dev"/>
-          <inkml:channelProperty channel="OA" name="resolution" value="1000" units="1/deg"/>
-          <inkml:channelProperty channel="OE" name="resolution" value="1000" units="1/deg"/>
-        </inkml:channelProperties>
-      </inkml:inkSource>
-      <inkml:timestamp xml:id="ts0" timeString="2023-12-11T13:53:25.730"/>
-    </inkml:context>
-    <inkml:brush xml:id="br0">
-      <inkml:brushProperty name="width" value="0.1" units="cm"/>
-      <inkml:brushProperty name="height" value="0.1" units="cm"/>
-      <inkml:brushProperty name="color" value="#004F8B"/>
-    </inkml:brush>
-  </inkml:definitions>
-  <inkml:trace contextRef="#ctx0" brushRef="#br0">0 71 5495 0 0,'69'74'1359'0'0,"29"41"5071"0"0,-79-93-5363 0 0,64 91 3412 0 0,42 29-1434 0 0,-123-140-3433 0 0,0 0-1 0 0,0 0 1 0 0,0-1-1 0 0,0 1 1 0 0,1-1-1 0 0,-1 0 1 0 0,5 2-1 0 0</inkml:trace>
-  <inkml:trace contextRef="#ctx0" brushRef="#br0" timeOffset="1">214 1 2759 0 0,'0'0'248'0'0,"-3"8"-248"0"0,0 1 0 0 0,-2 1 0 0 0,-2 1 120 0 0</inkml:trace>
-</inkml:ink>
-</file>
-
 <file path=ppt/ink/ink15.xml><?xml version="1.0" encoding="utf-8"?>
 <inkml:ink xmlns:inkml="http://www.w3.org/2003/InkML">
   <inkml:definitions>
@@ -2140,134 +1818,6 @@
     </inkml:brush>
   </inkml:definitions>
   <inkml:trace contextRef="#ctx0" brushRef="#br0">43 251 3079 0 0,'7'3'784'0'0,"-1"-1"-1"0"0,1 0 1 0 0,-1-1-1 0 0,1 0 1 0 0,0 0-1 0 0,7 0 1 0 0,-11-1-519 0 0,-1 0 1 0 0,1-1-1 0 0,-1 1 1 0 0,1-1-1 0 0,0 0 1 0 0,-1 1-1 0 0,1-1 0 0 0,-1-1 1 0 0,0 1-1 0 0,1 0 1 0 0,-1 0-1 0 0,0-1 1 0 0,0 0-1 0 0,0 1 1 0 0,0-1-1 0 0,0 0 0 0 0,0 0 1 0 0,2-3-1 0 0,3-3 361 0 0,-1-1-1 0 0,0-1 0 0 0,-1 1 0 0 0,0-1 1 0 0,-1 0-1 0 0,7-19 0 0 0,-5 7-181 0 0,-1-1 0 0 0,3-27-1 0 0,-4 2-47 0 0,-4 46-204 0 0,-1 1-169 0 0,1 1 0 0 0,-1-1 0 0 0,1 1 0 0 0,-1-1-1 0 0,1 1 1 0 0,-1-1 0 0 0,1 1 0 0 0,-1-1 0 0 0,1 1 0 0 0,-1 0 0 0 0,0-1-1 0 0,1 1 1 0 0,-2-1 0 0 0,-2 2-13 0 0,0-1 0 0 0,1 1-1 0 0,-1-1 1 0 0,0 1 0 0 0,0 0-1 0 0,1 1 1 0 0,-1-1 0 0 0,1 1-1 0 0,-1-1 1 0 0,1 1 0 0 0,0 0-1 0 0,-1 0 1 0 0,1 1 0 0 0,0-1 0 0 0,0 1-1 0 0,-3 3 1 0 0,-5 7 44 0 0,0 0 0 0 0,-13 22 0 0 0,10-14-37 0 0,3-4-37 0 0,1 0-1 0 0,0 0 0 0 0,1 1 1 0 0,1 1-1 0 0,1 0 1 0 0,0 0-1 0 0,2 0 0 0 0,-6 33 1 0 0,10-44 85 0 0,1 0 1 0 0,0 0-1 0 0,0 0 0 0 0,1-1 1 0 0,0 1-1 0 0,0 0 0 0 0,1-1 1 0 0,0 1-1 0 0,1-1 0 0 0,-1 1 1 0 0,1-1-1 0 0,1 0 0 0 0,-1 0 1 0 0,1-1-1 0 0,8 12 1 0 0,-9-14 100 0 0,1 0 0 0 0,-1 0-1 0 0,1-1 1 0 0,0 1 0 0 0,0-1 0 0 0,0 1 0 0 0,1-1 0 0 0,-1-1 0 0 0,1 1 0 0 0,0 0 0 0 0,0-1 0 0 0,0 0 0 0 0,0-1 0 0 0,0 1 0 0 0,0-1 0 0 0,0 0 0 0 0,0 0 0 0 0,1 0 0 0 0,-1-1 0 0 0,0 1 0 0 0,1-1 0 0 0,-1-1 0 0 0,8 0 0 0 0,4-4 163 0 0,-1 0-1 0 0,1 0 1 0 0,-1-2 0 0 0,-1 0 0 0 0,23-13-1 0 0,-11 5-404 0 0,7-8-2212 0 0,-21 13-3362 0 0</inkml:trace>
-</inkml:ink>
-</file>
-
-<file path=ppt/ink/ink150.xml><?xml version="1.0" encoding="utf-8"?>
-<inkml:ink xmlns:inkml="http://www.w3.org/2003/InkML">
-  <inkml:definitions>
-    <inkml:context xml:id="ctx0">
-      <inkml:inkSource xml:id="inkSrc0">
-        <inkml:traceFormat>
-          <inkml:channel name="X" type="integer" min="-2.14748E9" max="2.14748E9" units="cm"/>
-          <inkml:channel name="Y" type="integer" min="-2.14748E9" max="2.14748E9" units="cm"/>
-          <inkml:channel name="F" type="integer" max="32767" units="dev"/>
-          <inkml:channel name="OA" type="integer" max="360" units="deg"/>
-          <inkml:channel name="OE" type="integer" max="90" units="deg"/>
-        </inkml:traceFormat>
-        <inkml:channelProperties>
-          <inkml:channelProperty channel="X" name="resolution" value="1000" units="1/cm"/>
-          <inkml:channelProperty channel="Y" name="resolution" value="1000" units="1/cm"/>
-          <inkml:channelProperty channel="F" name="resolution" value="0" units="1/dev"/>
-          <inkml:channelProperty channel="OA" name="resolution" value="1000" units="1/deg"/>
-          <inkml:channelProperty channel="OE" name="resolution" value="1000" units="1/deg"/>
-        </inkml:channelProperties>
-      </inkml:inkSource>
-      <inkml:timestamp xml:id="ts0" timeString="2023-12-11T13:53:26.082"/>
-    </inkml:context>
-    <inkml:brush xml:id="br0">
-      <inkml:brushProperty name="width" value="0.1" units="cm"/>
-      <inkml:brushProperty name="height" value="0.1" units="cm"/>
-      <inkml:brushProperty name="color" value="#004F8B"/>
-    </inkml:brush>
-  </inkml:definitions>
-  <inkml:trace contextRef="#ctx0" brushRef="#br0">0 1 4055 0 0,'26'21'2181'0'0,"-22"-19"-1998"0"0,0 1 0 0 0,0 0 0 0 0,0 1-1 0 0,0-1 1 0 0,-1 1 0 0 0,1 0 0 0 0,-1-1 0 0 0,0 1 0 0 0,3 5 0 0 0,0 3 382 0 0,0 0 1 0 0,-1 1 0 0 0,0 0 0 0 0,-1 0-1 0 0,0 0 1 0 0,-1 0 0 0 0,-1 0 0 0 0,0 1-1 0 0,-1-1 1 0 0,0 1 0 0 0,-1-1 0 0 0,-2 23-1 0 0,-8 65 5927 0 0,8-93-3869 0 0,6-10-1818 0 0,-3 1-770 0 0,2-3-211 0 0,0 1 0 0 0,0-1-1 0 0,-1-1 1 0 0,0 1 0 0 0,1 0 0 0 0,-1 0 0 0 0,2-10 0 0 0,2 0-5302 0 0,2-6-2458 0 0</inkml:trace>
-</inkml:ink>
-</file>
-
-<file path=ppt/ink/ink151.xml><?xml version="1.0" encoding="utf-8"?>
-<inkml:ink xmlns:inkml="http://www.w3.org/2003/InkML">
-  <inkml:definitions>
-    <inkml:context xml:id="ctx0">
-      <inkml:inkSource xml:id="inkSrc0">
-        <inkml:traceFormat>
-          <inkml:channel name="X" type="integer" min="-2.14748E9" max="2.14748E9" units="cm"/>
-          <inkml:channel name="Y" type="integer" min="-2.14748E9" max="2.14748E9" units="cm"/>
-          <inkml:channel name="F" type="integer" max="32767" units="dev"/>
-          <inkml:channel name="OA" type="integer" max="360" units="deg"/>
-          <inkml:channel name="OE" type="integer" max="90" units="deg"/>
-        </inkml:traceFormat>
-        <inkml:channelProperties>
-          <inkml:channelProperty channel="X" name="resolution" value="1000" units="1/cm"/>
-          <inkml:channelProperty channel="Y" name="resolution" value="1000" units="1/cm"/>
-          <inkml:channelProperty channel="F" name="resolution" value="0" units="1/dev"/>
-          <inkml:channelProperty channel="OA" name="resolution" value="1000" units="1/deg"/>
-          <inkml:channelProperty channel="OE" name="resolution" value="1000" units="1/deg"/>
-        </inkml:channelProperties>
-      </inkml:inkSource>
-      <inkml:timestamp xml:id="ts0" timeString="2023-12-11T13:53:26.763"/>
-    </inkml:context>
-    <inkml:brush xml:id="br0">
-      <inkml:brushProperty name="width" value="0.1" units="cm"/>
-      <inkml:brushProperty name="height" value="0.1" units="cm"/>
-      <inkml:brushProperty name="color" value="#004F8B"/>
-    </inkml:brush>
-  </inkml:definitions>
-  <inkml:trace contextRef="#ctx0" brushRef="#br0">0 1 3311 0 0,'7'5'62'0'0,"-1"1"-1"0"0,1 0 0 0 0,-1 0 0 0 0,0 1 0 0 0,-1 0 0 0 0,9 14 0 0 0,6 7 1161 0 0,1 0 858 0 0,18 21 1314 0 0,-20-27-2204 0 0,-11-14-688 0 0,-1 1 0 0 0,15 12 0 0 0,-19-19-460 0 0,-1 0-1 0 0,1 0 0 0 0,0 0 1 0 0,0-1-1 0 0,0 1 1 0 0,0-1-1 0 0,0 0 1 0 0,0 0-1 0 0,0 0 1 0 0,0 0-1 0 0,0 0 0 0 0,0-1 1 0 0,6 1-1 0 0,-8-1-183 0 0,-1 0 0 0 0,1-1 0 0 0,0 1-1 0 0,-1 0 1 0 0,1 0 0 0 0,-1 0 0 0 0,1 0-1 0 0,-1-1 1 0 0,1 1 0 0 0,-1 0 0 0 0,1 0-1 0 0,-1-1 1 0 0,1 1 0 0 0,-1 0 0 0 0,1-1-1 0 0,-1 1 1 0 0,0-1 0 0 0,1 1 0 0 0</inkml:trace>
-</inkml:ink>
-</file>
-
-<file path=ppt/ink/ink152.xml><?xml version="1.0" encoding="utf-8"?>
-<inkml:ink xmlns:inkml="http://www.w3.org/2003/InkML">
-  <inkml:definitions>
-    <inkml:context xml:id="ctx0">
-      <inkml:inkSource xml:id="inkSrc0">
-        <inkml:traceFormat>
-          <inkml:channel name="X" type="integer" min="-2.14748E9" max="2.14748E9" units="cm"/>
-          <inkml:channel name="Y" type="integer" min="-2.14748E9" max="2.14748E9" units="cm"/>
-          <inkml:channel name="F" type="integer" max="32767" units="dev"/>
-          <inkml:channel name="OA" type="integer" max="360" units="deg"/>
-          <inkml:channel name="OE" type="integer" max="90" units="deg"/>
-        </inkml:traceFormat>
-        <inkml:channelProperties>
-          <inkml:channelProperty channel="X" name="resolution" value="1000" units="1/cm"/>
-          <inkml:channelProperty channel="Y" name="resolution" value="1000" units="1/cm"/>
-          <inkml:channelProperty channel="F" name="resolution" value="0" units="1/dev"/>
-          <inkml:channelProperty channel="OA" name="resolution" value="1000" units="1/deg"/>
-          <inkml:channelProperty channel="OE" name="resolution" value="1000" units="1/deg"/>
-        </inkml:channelProperties>
-      </inkml:inkSource>
-      <inkml:timestamp xml:id="ts0" timeString="2023-12-11T13:53:27.128"/>
-    </inkml:context>
-    <inkml:brush xml:id="br0">
-      <inkml:brushProperty name="width" value="0.1" units="cm"/>
-      <inkml:brushProperty name="height" value="0.1" units="cm"/>
-      <inkml:brushProperty name="color" value="#004F8B"/>
-    </inkml:brush>
-  </inkml:definitions>
-  <inkml:trace contextRef="#ctx0" brushRef="#br0">1 0 2759 0 0,'0'0'248'0'0,"8"14"-248"0"0,1-1 0 0 0,1-1 184 0 0</inkml:trace>
-</inkml:ink>
-</file>
-
-<file path=ppt/ink/ink153.xml><?xml version="1.0" encoding="utf-8"?>
-<inkml:ink xmlns:inkml="http://www.w3.org/2003/InkML">
-  <inkml:definitions>
-    <inkml:context xml:id="ctx0">
-      <inkml:inkSource xml:id="inkSrc0">
-        <inkml:traceFormat>
-          <inkml:channel name="X" type="integer" min="-2.14748E9" max="2.14748E9" units="cm"/>
-          <inkml:channel name="Y" type="integer" min="-2.14748E9" max="2.14748E9" units="cm"/>
-          <inkml:channel name="F" type="integer" max="32767" units="dev"/>
-          <inkml:channel name="OA" type="integer" max="360" units="deg"/>
-          <inkml:channel name="OE" type="integer" max="90" units="deg"/>
-        </inkml:traceFormat>
-        <inkml:channelProperties>
-          <inkml:channelProperty channel="X" name="resolution" value="1000" units="1/cm"/>
-          <inkml:channelProperty channel="Y" name="resolution" value="1000" units="1/cm"/>
-          <inkml:channelProperty channel="F" name="resolution" value="0" units="1/dev"/>
-          <inkml:channelProperty channel="OA" name="resolution" value="1000" units="1/deg"/>
-          <inkml:channelProperty channel="OE" name="resolution" value="1000" units="1/deg"/>
-        </inkml:channelProperties>
-      </inkml:inkSource>
-      <inkml:timestamp xml:id="ts0" timeString="2023-12-11T13:53:28.270"/>
-    </inkml:context>
-    <inkml:brush xml:id="br0">
-      <inkml:brushProperty name="width" value="0.1" units="cm"/>
-      <inkml:brushProperty name="height" value="0.1" units="cm"/>
-      <inkml:brushProperty name="color" value="#004F8B"/>
-    </inkml:brush>
-  </inkml:definitions>
-  <inkml:trace contextRef="#ctx0" brushRef="#br0">206 0 2383 0 0,'-58'75'216'0'0,"57"-55"-216"0"0,-9 5 0 0 0,1 5 0 0 0,-2 5 1440 0 0,-3 4 240 0 0,1 3 48 0 0,-2 3 16 0 0,0 3-592 0 0,-1 5-128 0 0,-1 5-16 0 0,2 6-4176 0 0,3-1-832 0 0</inkml:trace>
 </inkml:ink>
 </file>
 
@@ -11282,843 +10832,6 @@
           </mc:Fallback>
         </mc:AlternateContent>
       </p:grpSp>
-      <mc:AlternateContent xmlns:mc="http://schemas.openxmlformats.org/markup-compatibility/2006">
-        <mc:Choice xmlns:p14="http://schemas.microsoft.com/office/powerpoint/2010/main" Requires="p14">
-          <p:contentPart p14:bwMode="auto" r:id="rId32">
-            <p14:nvContentPartPr>
-              <p14:cNvPr id="28" name="墨迹 27">
-                <a:extLst>
-                  <a:ext uri="{FF2B5EF4-FFF2-40B4-BE49-F238E27FC236}">
-                    <a16:creationId xmlns:a16="http://schemas.microsoft.com/office/drawing/2014/main" id="{FA1681B4-98B0-FDC8-E204-4C676071F101}"/>
-                  </a:ext>
-                </a:extLst>
-              </p14:cNvPr>
-              <p14:cNvContentPartPr/>
-              <p14:nvPr/>
-            </p14:nvContentPartPr>
-            <p14:xfrm>
-              <a:off x="467928" y="922121"/>
-              <a:ext cx="1880280" cy="196920"/>
-            </p14:xfrm>
-          </p:contentPart>
-        </mc:Choice>
-        <mc:Fallback>
-          <p:pic>
-            <p:nvPicPr>
-              <p:cNvPr id="28" name="墨迹 27">
-                <a:extLst>
-                  <a:ext uri="{FF2B5EF4-FFF2-40B4-BE49-F238E27FC236}">
-                    <a16:creationId xmlns:a16="http://schemas.microsoft.com/office/drawing/2014/main" id="{FA1681B4-98B0-FDC8-E204-4C676071F101}"/>
-                  </a:ext>
-                </a:extLst>
-              </p:cNvPr>
-              <p:cNvPicPr/>
-              <p:nvPr/>
-            </p:nvPicPr>
-            <p:blipFill>
-              <a:blip r:embed="rId33"/>
-              <a:stretch>
-                <a:fillRect/>
-              </a:stretch>
-            </p:blipFill>
-            <p:spPr>
-              <a:xfrm>
-                <a:off x="450288" y="904481"/>
-                <a:ext cx="1915920" cy="232560"/>
-              </a:xfrm>
-              <a:prstGeom prst="rect">
-                <a:avLst/>
-              </a:prstGeom>
-            </p:spPr>
-          </p:pic>
-        </mc:Fallback>
-      </mc:AlternateContent>
-      <p:grpSp>
-        <p:nvGrpSpPr>
-          <p:cNvPr id="45" name="组合 44">
-            <a:extLst>
-              <a:ext uri="{FF2B5EF4-FFF2-40B4-BE49-F238E27FC236}">
-                <a16:creationId xmlns:a16="http://schemas.microsoft.com/office/drawing/2014/main" id="{1E737076-E6C1-D762-BE61-3360B24285FE}"/>
-              </a:ext>
-            </a:extLst>
-          </p:cNvPr>
-          <p:cNvGrpSpPr/>
-          <p:nvPr/>
-        </p:nvGrpSpPr>
-        <p:grpSpPr>
-          <a:xfrm>
-            <a:off x="839088" y="78641"/>
-            <a:ext cx="941760" cy="479880"/>
-            <a:chOff x="839088" y="78641"/>
-            <a:chExt cx="941760" cy="479880"/>
-          </a:xfrm>
-        </p:grpSpPr>
-        <mc:AlternateContent xmlns:mc="http://schemas.openxmlformats.org/markup-compatibility/2006">
-          <mc:Choice xmlns:p14="http://schemas.microsoft.com/office/powerpoint/2010/main" Requires="p14">
-            <p:contentPart p14:bwMode="auto" r:id="rId34">
-              <p14:nvContentPartPr>
-                <p14:cNvPr id="29" name="墨迹 28">
-                  <a:extLst>
-                    <a:ext uri="{FF2B5EF4-FFF2-40B4-BE49-F238E27FC236}">
-                      <a16:creationId xmlns:a16="http://schemas.microsoft.com/office/drawing/2014/main" id="{04EE02EA-A40F-288F-A5B0-3243BFB4E752}"/>
-                    </a:ext>
-                  </a:extLst>
-                </p14:cNvPr>
-                <p14:cNvContentPartPr/>
-                <p14:nvPr/>
-              </p14:nvContentPartPr>
-              <p14:xfrm>
-                <a:off x="928728" y="172601"/>
-                <a:ext cx="75600" cy="57240"/>
-              </p14:xfrm>
-            </p:contentPart>
-          </mc:Choice>
-          <mc:Fallback>
-            <p:pic>
-              <p:nvPicPr>
-                <p:cNvPr id="29" name="墨迹 28">
-                  <a:extLst>
-                    <a:ext uri="{FF2B5EF4-FFF2-40B4-BE49-F238E27FC236}">
-                      <a16:creationId xmlns:a16="http://schemas.microsoft.com/office/drawing/2014/main" id="{04EE02EA-A40F-288F-A5B0-3243BFB4E752}"/>
-                    </a:ext>
-                  </a:extLst>
-                </p:cNvPr>
-                <p:cNvPicPr/>
-                <p:nvPr/>
-              </p:nvPicPr>
-              <p:blipFill>
-                <a:blip r:embed="rId35"/>
-                <a:stretch>
-                  <a:fillRect/>
-                </a:stretch>
-              </p:blipFill>
-              <p:spPr>
-                <a:xfrm>
-                  <a:off x="910728" y="154961"/>
-                  <a:ext cx="111240" cy="92880"/>
-                </a:xfrm>
-                <a:prstGeom prst="rect">
-                  <a:avLst/>
-                </a:prstGeom>
-              </p:spPr>
-            </p:pic>
-          </mc:Fallback>
-        </mc:AlternateContent>
-        <mc:AlternateContent xmlns:mc="http://schemas.openxmlformats.org/markup-compatibility/2006">
-          <mc:Choice xmlns:p14="http://schemas.microsoft.com/office/powerpoint/2010/main" Requires="p14">
-            <p:contentPart p14:bwMode="auto" r:id="rId36">
-              <p14:nvContentPartPr>
-                <p14:cNvPr id="30" name="墨迹 29">
-                  <a:extLst>
-                    <a:ext uri="{FF2B5EF4-FFF2-40B4-BE49-F238E27FC236}">
-                      <a16:creationId xmlns:a16="http://schemas.microsoft.com/office/drawing/2014/main" id="{149EBAFD-B625-9E4F-44D1-8A80D96BF003}"/>
-                    </a:ext>
-                  </a:extLst>
-                </p14:cNvPr>
-                <p14:cNvContentPartPr/>
-                <p14:nvPr/>
-              </p14:nvContentPartPr>
-              <p14:xfrm>
-                <a:off x="839088" y="264401"/>
-                <a:ext cx="61200" cy="202680"/>
-              </p14:xfrm>
-            </p:contentPart>
-          </mc:Choice>
-          <mc:Fallback>
-            <p:pic>
-              <p:nvPicPr>
-                <p:cNvPr id="30" name="墨迹 29">
-                  <a:extLst>
-                    <a:ext uri="{FF2B5EF4-FFF2-40B4-BE49-F238E27FC236}">
-                      <a16:creationId xmlns:a16="http://schemas.microsoft.com/office/drawing/2014/main" id="{149EBAFD-B625-9E4F-44D1-8A80D96BF003}"/>
-                    </a:ext>
-                  </a:extLst>
-                </p:cNvPr>
-                <p:cNvPicPr/>
-                <p:nvPr/>
-              </p:nvPicPr>
-              <p:blipFill>
-                <a:blip r:embed="rId37"/>
-                <a:stretch>
-                  <a:fillRect/>
-                </a:stretch>
-              </p:blipFill>
-              <p:spPr>
-                <a:xfrm>
-                  <a:off x="821088" y="246401"/>
-                  <a:ext cx="96840" cy="238320"/>
-                </a:xfrm>
-                <a:prstGeom prst="rect">
-                  <a:avLst/>
-                </a:prstGeom>
-              </p:spPr>
-            </p:pic>
-          </mc:Fallback>
-        </mc:AlternateContent>
-        <mc:AlternateContent xmlns:mc="http://schemas.openxmlformats.org/markup-compatibility/2006">
-          <mc:Choice xmlns:p14="http://schemas.microsoft.com/office/powerpoint/2010/main" Requires="p14">
-            <p:contentPart p14:bwMode="auto" r:id="rId38">
-              <p14:nvContentPartPr>
-                <p14:cNvPr id="31" name="墨迹 30">
-                  <a:extLst>
-                    <a:ext uri="{FF2B5EF4-FFF2-40B4-BE49-F238E27FC236}">
-                      <a16:creationId xmlns:a16="http://schemas.microsoft.com/office/drawing/2014/main" id="{E0EFC543-36B6-4C77-53F6-CCFB2430F117}"/>
-                    </a:ext>
-                  </a:extLst>
-                </p14:cNvPr>
-                <p14:cNvContentPartPr/>
-                <p14:nvPr/>
-              </p14:nvContentPartPr>
-              <p14:xfrm>
-                <a:off x="931608" y="269801"/>
-                <a:ext cx="37800" cy="50400"/>
-              </p14:xfrm>
-            </p:contentPart>
-          </mc:Choice>
-          <mc:Fallback>
-            <p:pic>
-              <p:nvPicPr>
-                <p:cNvPr id="31" name="墨迹 30">
-                  <a:extLst>
-                    <a:ext uri="{FF2B5EF4-FFF2-40B4-BE49-F238E27FC236}">
-                      <a16:creationId xmlns:a16="http://schemas.microsoft.com/office/drawing/2014/main" id="{E0EFC543-36B6-4C77-53F6-CCFB2430F117}"/>
-                    </a:ext>
-                  </a:extLst>
-                </p:cNvPr>
-                <p:cNvPicPr/>
-                <p:nvPr/>
-              </p:nvPicPr>
-              <p:blipFill>
-                <a:blip r:embed="rId39"/>
-                <a:stretch>
-                  <a:fillRect/>
-                </a:stretch>
-              </p:blipFill>
-              <p:spPr>
-                <a:xfrm>
-                  <a:off x="913968" y="251801"/>
-                  <a:ext cx="73440" cy="86040"/>
-                </a:xfrm>
-                <a:prstGeom prst="rect">
-                  <a:avLst/>
-                </a:prstGeom>
-              </p:spPr>
-            </p:pic>
-          </mc:Fallback>
-        </mc:AlternateContent>
-        <mc:AlternateContent xmlns:mc="http://schemas.openxmlformats.org/markup-compatibility/2006">
-          <mc:Choice xmlns:p14="http://schemas.microsoft.com/office/powerpoint/2010/main" Requires="p14">
-            <p:contentPart p14:bwMode="auto" r:id="rId40">
-              <p14:nvContentPartPr>
-                <p14:cNvPr id="32" name="墨迹 31">
-                  <a:extLst>
-                    <a:ext uri="{FF2B5EF4-FFF2-40B4-BE49-F238E27FC236}">
-                      <a16:creationId xmlns:a16="http://schemas.microsoft.com/office/drawing/2014/main" id="{A51FB2DA-F748-6634-EDAB-7B7B349E53C6}"/>
-                    </a:ext>
-                  </a:extLst>
-                </p14:cNvPr>
-                <p14:cNvContentPartPr/>
-                <p14:nvPr/>
-              </p14:nvContentPartPr>
-              <p14:xfrm>
-                <a:off x="947808" y="177641"/>
-                <a:ext cx="191160" cy="180720"/>
-              </p14:xfrm>
-            </p:contentPart>
-          </mc:Choice>
-          <mc:Fallback>
-            <p:pic>
-              <p:nvPicPr>
-                <p:cNvPr id="32" name="墨迹 31">
-                  <a:extLst>
-                    <a:ext uri="{FF2B5EF4-FFF2-40B4-BE49-F238E27FC236}">
-                      <a16:creationId xmlns:a16="http://schemas.microsoft.com/office/drawing/2014/main" id="{A51FB2DA-F748-6634-EDAB-7B7B349E53C6}"/>
-                    </a:ext>
-                  </a:extLst>
-                </p:cNvPr>
-                <p:cNvPicPr/>
-                <p:nvPr/>
-              </p:nvPicPr>
-              <p:blipFill>
-                <a:blip r:embed="rId41"/>
-                <a:stretch>
-                  <a:fillRect/>
-                </a:stretch>
-              </p:blipFill>
-              <p:spPr>
-                <a:xfrm>
-                  <a:off x="930168" y="159641"/>
-                  <a:ext cx="226800" cy="216360"/>
-                </a:xfrm>
-                <a:prstGeom prst="rect">
-                  <a:avLst/>
-                </a:prstGeom>
-              </p:spPr>
-            </p:pic>
-          </mc:Fallback>
-        </mc:AlternateContent>
-        <mc:AlternateContent xmlns:mc="http://schemas.openxmlformats.org/markup-compatibility/2006">
-          <mc:Choice xmlns:p14="http://schemas.microsoft.com/office/powerpoint/2010/main" Requires="p14">
-            <p:contentPart p14:bwMode="auto" r:id="rId42">
-              <p14:nvContentPartPr>
-                <p14:cNvPr id="33" name="墨迹 32">
-                  <a:extLst>
-                    <a:ext uri="{FF2B5EF4-FFF2-40B4-BE49-F238E27FC236}">
-                      <a16:creationId xmlns:a16="http://schemas.microsoft.com/office/drawing/2014/main" id="{A8C57773-088A-F77C-77BC-702061A523B9}"/>
-                    </a:ext>
-                  </a:extLst>
-                </p14:cNvPr>
-                <p14:cNvContentPartPr/>
-                <p14:nvPr/>
-              </p14:nvContentPartPr>
-              <p14:xfrm>
-                <a:off x="1023768" y="298241"/>
-                <a:ext cx="16560" cy="56520"/>
-              </p14:xfrm>
-            </p:contentPart>
-          </mc:Choice>
-          <mc:Fallback>
-            <p:pic>
-              <p:nvPicPr>
-                <p:cNvPr id="33" name="墨迹 32">
-                  <a:extLst>
-                    <a:ext uri="{FF2B5EF4-FFF2-40B4-BE49-F238E27FC236}">
-                      <a16:creationId xmlns:a16="http://schemas.microsoft.com/office/drawing/2014/main" id="{A8C57773-088A-F77C-77BC-702061A523B9}"/>
-                    </a:ext>
-                  </a:extLst>
-                </p:cNvPr>
-                <p:cNvPicPr/>
-                <p:nvPr/>
-              </p:nvPicPr>
-              <p:blipFill>
-                <a:blip r:embed="rId43"/>
-                <a:stretch>
-                  <a:fillRect/>
-                </a:stretch>
-              </p:blipFill>
-              <p:spPr>
-                <a:xfrm>
-                  <a:off x="1006128" y="280601"/>
-                  <a:ext cx="52200" cy="92160"/>
-                </a:xfrm>
-                <a:prstGeom prst="rect">
-                  <a:avLst/>
-                </a:prstGeom>
-              </p:spPr>
-            </p:pic>
-          </mc:Fallback>
-        </mc:AlternateContent>
-        <mc:AlternateContent xmlns:mc="http://schemas.openxmlformats.org/markup-compatibility/2006">
-          <mc:Choice xmlns:p14="http://schemas.microsoft.com/office/powerpoint/2010/main" Requires="p14">
-            <p:contentPart p14:bwMode="auto" r:id="rId44">
-              <p14:nvContentPartPr>
-                <p14:cNvPr id="34" name="墨迹 33">
-                  <a:extLst>
-                    <a:ext uri="{FF2B5EF4-FFF2-40B4-BE49-F238E27FC236}">
-                      <a16:creationId xmlns:a16="http://schemas.microsoft.com/office/drawing/2014/main" id="{5808123B-D359-57ED-998D-EAEA1DA85EB7}"/>
-                    </a:ext>
-                  </a:extLst>
-                </p14:cNvPr>
-                <p14:cNvContentPartPr/>
-                <p14:nvPr/>
-              </p14:nvContentPartPr>
-              <p14:xfrm>
-                <a:off x="890568" y="418121"/>
-                <a:ext cx="343440" cy="140400"/>
-              </p14:xfrm>
-            </p:contentPart>
-          </mc:Choice>
-          <mc:Fallback>
-            <p:pic>
-              <p:nvPicPr>
-                <p:cNvPr id="34" name="墨迹 33">
-                  <a:extLst>
-                    <a:ext uri="{FF2B5EF4-FFF2-40B4-BE49-F238E27FC236}">
-                      <a16:creationId xmlns:a16="http://schemas.microsoft.com/office/drawing/2014/main" id="{5808123B-D359-57ED-998D-EAEA1DA85EB7}"/>
-                    </a:ext>
-                  </a:extLst>
-                </p:cNvPr>
-                <p:cNvPicPr/>
-                <p:nvPr/>
-              </p:nvPicPr>
-              <p:blipFill>
-                <a:blip r:embed="rId45"/>
-                <a:stretch>
-                  <a:fillRect/>
-                </a:stretch>
-              </p:blipFill>
-              <p:spPr>
-                <a:xfrm>
-                  <a:off x="872568" y="400121"/>
-                  <a:ext cx="379080" cy="176040"/>
-                </a:xfrm>
-                <a:prstGeom prst="rect">
-                  <a:avLst/>
-                </a:prstGeom>
-              </p:spPr>
-            </p:pic>
-          </mc:Fallback>
-        </mc:AlternateContent>
-        <mc:AlternateContent xmlns:mc="http://schemas.openxmlformats.org/markup-compatibility/2006">
-          <mc:Choice xmlns:p14="http://schemas.microsoft.com/office/powerpoint/2010/main" Requires="p14">
-            <p:contentPart p14:bwMode="auto" r:id="rId46">
-              <p14:nvContentPartPr>
-                <p14:cNvPr id="35" name="墨迹 34">
-                  <a:extLst>
-                    <a:ext uri="{FF2B5EF4-FFF2-40B4-BE49-F238E27FC236}">
-                      <a16:creationId xmlns:a16="http://schemas.microsoft.com/office/drawing/2014/main" id="{8DE83AC5-FBE9-E5E8-925B-134D6DCBB137}"/>
-                    </a:ext>
-                  </a:extLst>
-                </p14:cNvPr>
-                <p14:cNvContentPartPr/>
-                <p14:nvPr/>
-              </p14:nvContentPartPr>
-              <p14:xfrm>
-                <a:off x="1311048" y="134441"/>
-                <a:ext cx="27720" cy="12240"/>
-              </p14:xfrm>
-            </p:contentPart>
-          </mc:Choice>
-          <mc:Fallback>
-            <p:pic>
-              <p:nvPicPr>
-                <p:cNvPr id="35" name="墨迹 34">
-                  <a:extLst>
-                    <a:ext uri="{FF2B5EF4-FFF2-40B4-BE49-F238E27FC236}">
-                      <a16:creationId xmlns:a16="http://schemas.microsoft.com/office/drawing/2014/main" id="{8DE83AC5-FBE9-E5E8-925B-134D6DCBB137}"/>
-                    </a:ext>
-                  </a:extLst>
-                </p:cNvPr>
-                <p:cNvPicPr/>
-                <p:nvPr/>
-              </p:nvPicPr>
-              <p:blipFill>
-                <a:blip r:embed="rId47"/>
-                <a:stretch>
-                  <a:fillRect/>
-                </a:stretch>
-              </p:blipFill>
-              <p:spPr>
-                <a:xfrm>
-                  <a:off x="1293048" y="116801"/>
-                  <a:ext cx="63360" cy="47880"/>
-                </a:xfrm>
-                <a:prstGeom prst="rect">
-                  <a:avLst/>
-                </a:prstGeom>
-              </p:spPr>
-            </p:pic>
-          </mc:Fallback>
-        </mc:AlternateContent>
-        <mc:AlternateContent xmlns:mc="http://schemas.openxmlformats.org/markup-compatibility/2006">
-          <mc:Choice xmlns:p14="http://schemas.microsoft.com/office/powerpoint/2010/main" Requires="p14">
-            <p:contentPart p14:bwMode="auto" r:id="rId48">
-              <p14:nvContentPartPr>
-                <p14:cNvPr id="36" name="墨迹 35">
-                  <a:extLst>
-                    <a:ext uri="{FF2B5EF4-FFF2-40B4-BE49-F238E27FC236}">
-                      <a16:creationId xmlns:a16="http://schemas.microsoft.com/office/drawing/2014/main" id="{A7D0C716-205B-62B5-B8B9-9659B739516E}"/>
-                    </a:ext>
-                  </a:extLst>
-                </p14:cNvPr>
-                <p14:cNvContentPartPr/>
-                <p14:nvPr/>
-              </p14:nvContentPartPr>
-              <p14:xfrm>
-                <a:off x="1239048" y="286361"/>
-                <a:ext cx="43920" cy="151560"/>
-              </p14:xfrm>
-            </p:contentPart>
-          </mc:Choice>
-          <mc:Fallback>
-            <p:pic>
-              <p:nvPicPr>
-                <p:cNvPr id="36" name="墨迹 35">
-                  <a:extLst>
-                    <a:ext uri="{FF2B5EF4-FFF2-40B4-BE49-F238E27FC236}">
-                      <a16:creationId xmlns:a16="http://schemas.microsoft.com/office/drawing/2014/main" id="{A7D0C716-205B-62B5-B8B9-9659B739516E}"/>
-                    </a:ext>
-                  </a:extLst>
-                </p:cNvPr>
-                <p:cNvPicPr/>
-                <p:nvPr/>
-              </p:nvPicPr>
-              <p:blipFill>
-                <a:blip r:embed="rId49"/>
-                <a:stretch>
-                  <a:fillRect/>
-                </a:stretch>
-              </p:blipFill>
-              <p:spPr>
-                <a:xfrm>
-                  <a:off x="1221408" y="268721"/>
-                  <a:ext cx="79560" cy="187200"/>
-                </a:xfrm>
-                <a:prstGeom prst="rect">
-                  <a:avLst/>
-                </a:prstGeom>
-              </p:spPr>
-            </p:pic>
-          </mc:Fallback>
-        </mc:AlternateContent>
-        <mc:AlternateContent xmlns:mc="http://schemas.openxmlformats.org/markup-compatibility/2006">
-          <mc:Choice xmlns:p14="http://schemas.microsoft.com/office/powerpoint/2010/main" Requires="p14">
-            <p:contentPart p14:bwMode="auto" r:id="rId50">
-              <p14:nvContentPartPr>
-                <p14:cNvPr id="37" name="墨迹 36">
-                  <a:extLst>
-                    <a:ext uri="{FF2B5EF4-FFF2-40B4-BE49-F238E27FC236}">
-                      <a16:creationId xmlns:a16="http://schemas.microsoft.com/office/drawing/2014/main" id="{834AC2DD-0AC6-2687-3B88-4135C8A425AC}"/>
-                    </a:ext>
-                  </a:extLst>
-                </p14:cNvPr>
-                <p14:cNvContentPartPr/>
-                <p14:nvPr/>
-              </p14:nvContentPartPr>
-              <p14:xfrm>
-                <a:off x="1302408" y="267281"/>
-                <a:ext cx="155160" cy="149400"/>
-              </p14:xfrm>
-            </p:contentPart>
-          </mc:Choice>
-          <mc:Fallback>
-            <p:pic>
-              <p:nvPicPr>
-                <p:cNvPr id="37" name="墨迹 36">
-                  <a:extLst>
-                    <a:ext uri="{FF2B5EF4-FFF2-40B4-BE49-F238E27FC236}">
-                      <a16:creationId xmlns:a16="http://schemas.microsoft.com/office/drawing/2014/main" id="{834AC2DD-0AC6-2687-3B88-4135C8A425AC}"/>
-                    </a:ext>
-                  </a:extLst>
-                </p:cNvPr>
-                <p:cNvPicPr/>
-                <p:nvPr/>
-              </p:nvPicPr>
-              <p:blipFill>
-                <a:blip r:embed="rId51"/>
-                <a:stretch>
-                  <a:fillRect/>
-                </a:stretch>
-              </p:blipFill>
-              <p:spPr>
-                <a:xfrm>
-                  <a:off x="1284768" y="249281"/>
-                  <a:ext cx="190800" cy="185040"/>
-                </a:xfrm>
-                <a:prstGeom prst="rect">
-                  <a:avLst/>
-                </a:prstGeom>
-              </p:spPr>
-            </p:pic>
-          </mc:Fallback>
-        </mc:AlternateContent>
-        <mc:AlternateContent xmlns:mc="http://schemas.openxmlformats.org/markup-compatibility/2006">
-          <mc:Choice xmlns:p14="http://schemas.microsoft.com/office/powerpoint/2010/main" Requires="p14">
-            <p:contentPart p14:bwMode="auto" r:id="rId52">
-              <p14:nvContentPartPr>
-                <p14:cNvPr id="38" name="墨迹 37">
-                  <a:extLst>
-                    <a:ext uri="{FF2B5EF4-FFF2-40B4-BE49-F238E27FC236}">
-                      <a16:creationId xmlns:a16="http://schemas.microsoft.com/office/drawing/2014/main" id="{4F7B98FB-8198-0F6A-2C7C-9B08ADD8A591}"/>
-                    </a:ext>
-                  </a:extLst>
-                </p14:cNvPr>
-                <p14:cNvContentPartPr/>
-                <p14:nvPr/>
-              </p14:nvContentPartPr>
-              <p14:xfrm>
-                <a:off x="1554408" y="88361"/>
-                <a:ext cx="164520" cy="66600"/>
-              </p14:xfrm>
-            </p:contentPart>
-          </mc:Choice>
-          <mc:Fallback>
-            <p:pic>
-              <p:nvPicPr>
-                <p:cNvPr id="38" name="墨迹 37">
-                  <a:extLst>
-                    <a:ext uri="{FF2B5EF4-FFF2-40B4-BE49-F238E27FC236}">
-                      <a16:creationId xmlns:a16="http://schemas.microsoft.com/office/drawing/2014/main" id="{4F7B98FB-8198-0F6A-2C7C-9B08ADD8A591}"/>
-                    </a:ext>
-                  </a:extLst>
-                </p:cNvPr>
-                <p:cNvPicPr/>
-                <p:nvPr/>
-              </p:nvPicPr>
-              <p:blipFill>
-                <a:blip r:embed="rId53"/>
-                <a:stretch>
-                  <a:fillRect/>
-                </a:stretch>
-              </p:blipFill>
-              <p:spPr>
-                <a:xfrm>
-                  <a:off x="1536408" y="70721"/>
-                  <a:ext cx="200160" cy="102240"/>
-                </a:xfrm>
-                <a:prstGeom prst="rect">
-                  <a:avLst/>
-                </a:prstGeom>
-              </p:spPr>
-            </p:pic>
-          </mc:Fallback>
-        </mc:AlternateContent>
-        <mc:AlternateContent xmlns:mc="http://schemas.openxmlformats.org/markup-compatibility/2006">
-          <mc:Choice xmlns:p14="http://schemas.microsoft.com/office/powerpoint/2010/main" Requires="p14">
-            <p:contentPart p14:bwMode="auto" r:id="rId54">
-              <p14:nvContentPartPr>
-                <p14:cNvPr id="39" name="墨迹 38">
-                  <a:extLst>
-                    <a:ext uri="{FF2B5EF4-FFF2-40B4-BE49-F238E27FC236}">
-                      <a16:creationId xmlns:a16="http://schemas.microsoft.com/office/drawing/2014/main" id="{323161D5-EC1D-AE03-ACD2-E0C23F614846}"/>
-                    </a:ext>
-                  </a:extLst>
-                </p14:cNvPr>
-                <p14:cNvContentPartPr/>
-                <p14:nvPr/>
-              </p14:nvContentPartPr>
-              <p14:xfrm>
-                <a:off x="1631088" y="78641"/>
-                <a:ext cx="149760" cy="198360"/>
-              </p14:xfrm>
-            </p:contentPart>
-          </mc:Choice>
-          <mc:Fallback>
-            <p:pic>
-              <p:nvPicPr>
-                <p:cNvPr id="39" name="墨迹 38">
-                  <a:extLst>
-                    <a:ext uri="{FF2B5EF4-FFF2-40B4-BE49-F238E27FC236}">
-                      <a16:creationId xmlns:a16="http://schemas.microsoft.com/office/drawing/2014/main" id="{323161D5-EC1D-AE03-ACD2-E0C23F614846}"/>
-                    </a:ext>
-                  </a:extLst>
-                </p:cNvPr>
-                <p:cNvPicPr/>
-                <p:nvPr/>
-              </p:nvPicPr>
-              <p:blipFill>
-                <a:blip r:embed="rId55"/>
-                <a:stretch>
-                  <a:fillRect/>
-                </a:stretch>
-              </p:blipFill>
-              <p:spPr>
-                <a:xfrm>
-                  <a:off x="1613088" y="61001"/>
-                  <a:ext cx="185400" cy="234000"/>
-                </a:xfrm>
-                <a:prstGeom prst="rect">
-                  <a:avLst/>
-                </a:prstGeom>
-              </p:spPr>
-            </p:pic>
-          </mc:Fallback>
-        </mc:AlternateContent>
-        <mc:AlternateContent xmlns:mc="http://schemas.openxmlformats.org/markup-compatibility/2006">
-          <mc:Choice xmlns:p14="http://schemas.microsoft.com/office/powerpoint/2010/main" Requires="p14">
-            <p:contentPart p14:bwMode="auto" r:id="rId56">
-              <p14:nvContentPartPr>
-                <p14:cNvPr id="40" name="墨迹 39">
-                  <a:extLst>
-                    <a:ext uri="{FF2B5EF4-FFF2-40B4-BE49-F238E27FC236}">
-                      <a16:creationId xmlns:a16="http://schemas.microsoft.com/office/drawing/2014/main" id="{A39A55F0-5993-CD69-35F5-06992E73092A}"/>
-                    </a:ext>
-                  </a:extLst>
-                </p14:cNvPr>
-                <p14:cNvContentPartPr/>
-                <p14:nvPr/>
-              </p14:nvContentPartPr>
-              <p14:xfrm>
-                <a:off x="1579608" y="220481"/>
-                <a:ext cx="47520" cy="130680"/>
-              </p14:xfrm>
-            </p:contentPart>
-          </mc:Choice>
-          <mc:Fallback>
-            <p:pic>
-              <p:nvPicPr>
-                <p:cNvPr id="40" name="墨迹 39">
-                  <a:extLst>
-                    <a:ext uri="{FF2B5EF4-FFF2-40B4-BE49-F238E27FC236}">
-                      <a16:creationId xmlns:a16="http://schemas.microsoft.com/office/drawing/2014/main" id="{A39A55F0-5993-CD69-35F5-06992E73092A}"/>
-                    </a:ext>
-                  </a:extLst>
-                </p:cNvPr>
-                <p:cNvPicPr/>
-                <p:nvPr/>
-              </p:nvPicPr>
-              <p:blipFill>
-                <a:blip r:embed="rId57"/>
-                <a:stretch>
-                  <a:fillRect/>
-                </a:stretch>
-              </p:blipFill>
-              <p:spPr>
-                <a:xfrm>
-                  <a:off x="1561608" y="202841"/>
-                  <a:ext cx="83160" cy="166320"/>
-                </a:xfrm>
-                <a:prstGeom prst="rect">
-                  <a:avLst/>
-                </a:prstGeom>
-              </p:spPr>
-            </p:pic>
-          </mc:Fallback>
-        </mc:AlternateContent>
-        <mc:AlternateContent xmlns:mc="http://schemas.openxmlformats.org/markup-compatibility/2006">
-          <mc:Choice xmlns:p14="http://schemas.microsoft.com/office/powerpoint/2010/main" Requires="p14">
-            <p:contentPart p14:bwMode="auto" r:id="rId58">
-              <p14:nvContentPartPr>
-                <p14:cNvPr id="41" name="墨迹 40">
-                  <a:extLst>
-                    <a:ext uri="{FF2B5EF4-FFF2-40B4-BE49-F238E27FC236}">
-                      <a16:creationId xmlns:a16="http://schemas.microsoft.com/office/drawing/2014/main" id="{8989CE9E-6C8F-D0F7-9B17-5E57D72BF8B5}"/>
-                    </a:ext>
-                  </a:extLst>
-                </p14:cNvPr>
-                <p14:cNvContentPartPr/>
-                <p14:nvPr/>
-              </p14:nvContentPartPr>
-              <p14:xfrm>
-                <a:off x="970128" y="142721"/>
-                <a:ext cx="88200" cy="87120"/>
-              </p14:xfrm>
-            </p:contentPart>
-          </mc:Choice>
-          <mc:Fallback>
-            <p:pic>
-              <p:nvPicPr>
-                <p:cNvPr id="41" name="墨迹 40">
-                  <a:extLst>
-                    <a:ext uri="{FF2B5EF4-FFF2-40B4-BE49-F238E27FC236}">
-                      <a16:creationId xmlns:a16="http://schemas.microsoft.com/office/drawing/2014/main" id="{8989CE9E-6C8F-D0F7-9B17-5E57D72BF8B5}"/>
-                    </a:ext>
-                  </a:extLst>
-                </p:cNvPr>
-                <p:cNvPicPr/>
-                <p:nvPr/>
-              </p:nvPicPr>
-              <p:blipFill>
-                <a:blip r:embed="rId59"/>
-                <a:stretch>
-                  <a:fillRect/>
-                </a:stretch>
-              </p:blipFill>
-              <p:spPr>
-                <a:xfrm>
-                  <a:off x="952128" y="125081"/>
-                  <a:ext cx="123840" cy="122760"/>
-                </a:xfrm>
-                <a:prstGeom prst="rect">
-                  <a:avLst/>
-                </a:prstGeom>
-              </p:spPr>
-            </p:pic>
-          </mc:Fallback>
-        </mc:AlternateContent>
-        <mc:AlternateContent xmlns:mc="http://schemas.openxmlformats.org/markup-compatibility/2006">
-          <mc:Choice xmlns:p14="http://schemas.microsoft.com/office/powerpoint/2010/main" Requires="p14">
-            <p:contentPart p14:bwMode="auto" r:id="rId60">
-              <p14:nvContentPartPr>
-                <p14:cNvPr id="42" name="墨迹 41">
-                  <a:extLst>
-                    <a:ext uri="{FF2B5EF4-FFF2-40B4-BE49-F238E27FC236}">
-                      <a16:creationId xmlns:a16="http://schemas.microsoft.com/office/drawing/2014/main" id="{C851ED73-107E-60C8-21A1-CDCCCF56D182}"/>
-                    </a:ext>
-                  </a:extLst>
-                </p14:cNvPr>
-                <p14:cNvContentPartPr/>
-                <p14:nvPr/>
-              </p14:nvContentPartPr>
-              <p14:xfrm>
-                <a:off x="1012248" y="113561"/>
-                <a:ext cx="10080" cy="14040"/>
-              </p14:xfrm>
-            </p:contentPart>
-          </mc:Choice>
-          <mc:Fallback>
-            <p:pic>
-              <p:nvPicPr>
-                <p:cNvPr id="42" name="墨迹 41">
-                  <a:extLst>
-                    <a:ext uri="{FF2B5EF4-FFF2-40B4-BE49-F238E27FC236}">
-                      <a16:creationId xmlns:a16="http://schemas.microsoft.com/office/drawing/2014/main" id="{C851ED73-107E-60C8-21A1-CDCCCF56D182}"/>
-                    </a:ext>
-                  </a:extLst>
-                </p:cNvPr>
-                <p:cNvPicPr/>
-                <p:nvPr/>
-              </p:nvPicPr>
-              <p:blipFill>
-                <a:blip r:embed="rId61"/>
-                <a:stretch>
-                  <a:fillRect/>
-                </a:stretch>
-              </p:blipFill>
-              <p:spPr>
-                <a:xfrm>
-                  <a:off x="994608" y="95561"/>
-                  <a:ext cx="45720" cy="49680"/>
-                </a:xfrm>
-                <a:prstGeom prst="rect">
-                  <a:avLst/>
-                </a:prstGeom>
-              </p:spPr>
-            </p:pic>
-          </mc:Fallback>
-        </mc:AlternateContent>
-        <mc:AlternateContent xmlns:mc="http://schemas.openxmlformats.org/markup-compatibility/2006">
-          <mc:Choice xmlns:p14="http://schemas.microsoft.com/office/powerpoint/2010/main" Requires="p14">
-            <p:contentPart p14:bwMode="auto" r:id="rId62">
-              <p14:nvContentPartPr>
-                <p14:cNvPr id="44" name="墨迹 43">
-                  <a:extLst>
-                    <a:ext uri="{FF2B5EF4-FFF2-40B4-BE49-F238E27FC236}">
-                      <a16:creationId xmlns:a16="http://schemas.microsoft.com/office/drawing/2014/main" id="{5E1031BF-4331-B2E2-19D9-4F2DA5D3EAB2}"/>
-                    </a:ext>
-                  </a:extLst>
-                </p14:cNvPr>
-                <p14:cNvContentPartPr/>
-                <p14:nvPr/>
-              </p14:nvContentPartPr>
-              <p14:xfrm>
-                <a:off x="1672848" y="174041"/>
-                <a:ext cx="74520" cy="214920"/>
-              </p14:xfrm>
-            </p:contentPart>
-          </mc:Choice>
-          <mc:Fallback>
-            <p:pic>
-              <p:nvPicPr>
-                <p:cNvPr id="44" name="墨迹 43">
-                  <a:extLst>
-                    <a:ext uri="{FF2B5EF4-FFF2-40B4-BE49-F238E27FC236}">
-                      <a16:creationId xmlns:a16="http://schemas.microsoft.com/office/drawing/2014/main" id="{5E1031BF-4331-B2E2-19D9-4F2DA5D3EAB2}"/>
-                    </a:ext>
-                  </a:extLst>
-                </p:cNvPr>
-                <p:cNvPicPr/>
-                <p:nvPr/>
-              </p:nvPicPr>
-              <p:blipFill>
-                <a:blip r:embed="rId63"/>
-                <a:stretch>
-                  <a:fillRect/>
-                </a:stretch>
-              </p:blipFill>
-              <p:spPr>
-                <a:xfrm>
-                  <a:off x="1654848" y="156041"/>
-                  <a:ext cx="110160" cy="250560"/>
-                </a:xfrm>
-                <a:prstGeom prst="rect">
-                  <a:avLst/>
-                </a:prstGeom>
-              </p:spPr>
-            </p:pic>
-          </mc:Fallback>
-        </mc:AlternateContent>
-      </p:grpSp>
     </p:spTree>
     <p:extLst>
       <p:ext uri="{BB962C8B-B14F-4D97-AF65-F5344CB8AC3E}">
@@ -12841,6 +11554,129 @@
           </a:fontRef>
         </p:style>
       </p:cxnSp>
+      <p:grpSp>
+        <p:nvGrpSpPr>
+          <p:cNvPr id="18" name="组合 17">
+            <a:extLst>
+              <a:ext uri="{FF2B5EF4-FFF2-40B4-BE49-F238E27FC236}">
+                <a16:creationId xmlns:a16="http://schemas.microsoft.com/office/drawing/2014/main" id="{A2367C46-1AC3-59F6-6B01-5050A85A2488}"/>
+              </a:ext>
+            </a:extLst>
+          </p:cNvPr>
+          <p:cNvGrpSpPr/>
+          <p:nvPr/>
+        </p:nvGrpSpPr>
+        <p:grpSpPr>
+          <a:xfrm>
+            <a:off x="6101928" y="281321"/>
+            <a:ext cx="507240" cy="887400"/>
+            <a:chOff x="6101928" y="281321"/>
+            <a:chExt cx="507240" cy="887400"/>
+          </a:xfrm>
+        </p:grpSpPr>
+        <mc:AlternateContent xmlns:mc="http://schemas.openxmlformats.org/markup-compatibility/2006">
+          <mc:Choice xmlns:p14="http://schemas.microsoft.com/office/powerpoint/2010/main" Requires="p14">
+            <p:contentPart p14:bwMode="auto" r:id="rId2">
+              <p14:nvContentPartPr>
+                <p14:cNvPr id="11" name="墨迹 10">
+                  <a:extLst>
+                    <a:ext uri="{FF2B5EF4-FFF2-40B4-BE49-F238E27FC236}">
+                      <a16:creationId xmlns:a16="http://schemas.microsoft.com/office/drawing/2014/main" id="{4F8A9B5F-B17E-0C39-2F3D-BB534BFB3CC7}"/>
+                    </a:ext>
+                  </a:extLst>
+                </p14:cNvPr>
+                <p14:cNvContentPartPr/>
+                <p14:nvPr/>
+              </p14:nvContentPartPr>
+              <p14:xfrm>
+                <a:off x="6428808" y="895121"/>
+                <a:ext cx="21240" cy="33120"/>
+              </p14:xfrm>
+            </p:contentPart>
+          </mc:Choice>
+          <mc:Fallback>
+            <p:pic>
+              <p:nvPicPr>
+                <p:cNvPr id="11" name="墨迹 10">
+                  <a:extLst>
+                    <a:ext uri="{FF2B5EF4-FFF2-40B4-BE49-F238E27FC236}">
+                      <a16:creationId xmlns:a16="http://schemas.microsoft.com/office/drawing/2014/main" id="{4F8A9B5F-B17E-0C39-2F3D-BB534BFB3CC7}"/>
+                    </a:ext>
+                  </a:extLst>
+                </p:cNvPr>
+                <p:cNvPicPr/>
+                <p:nvPr/>
+              </p:nvPicPr>
+              <p:blipFill>
+                <a:blip r:embed="rId3"/>
+                <a:stretch>
+                  <a:fillRect/>
+                </a:stretch>
+              </p:blipFill>
+              <p:spPr>
+                <a:xfrm>
+                  <a:off x="6410808" y="877481"/>
+                  <a:ext cx="56880" cy="68760"/>
+                </a:xfrm>
+                <a:prstGeom prst="rect">
+                  <a:avLst/>
+                </a:prstGeom>
+              </p:spPr>
+            </p:pic>
+          </mc:Fallback>
+        </mc:AlternateContent>
+        <mc:AlternateContent xmlns:mc="http://schemas.openxmlformats.org/markup-compatibility/2006">
+          <mc:Choice xmlns:p14="http://schemas.microsoft.com/office/powerpoint/2010/main" Requires="p14">
+            <p:contentPart p14:bwMode="auto" r:id="rId4">
+              <p14:nvContentPartPr>
+                <p14:cNvPr id="17" name="墨迹 16">
+                  <a:extLst>
+                    <a:ext uri="{FF2B5EF4-FFF2-40B4-BE49-F238E27FC236}">
+                      <a16:creationId xmlns:a16="http://schemas.microsoft.com/office/drawing/2014/main" id="{8B8B079B-407A-1E3D-9DF4-B6D6EC61BB13}"/>
+                    </a:ext>
+                  </a:extLst>
+                </p14:cNvPr>
+                <p14:cNvContentPartPr/>
+                <p14:nvPr/>
+              </p14:nvContentPartPr>
+              <p14:xfrm>
+                <a:off x="6101928" y="281321"/>
+                <a:ext cx="507240" cy="887400"/>
+              </p14:xfrm>
+            </p:contentPart>
+          </mc:Choice>
+          <mc:Fallback>
+            <p:pic>
+              <p:nvPicPr>
+                <p:cNvPr id="17" name="墨迹 16">
+                  <a:extLst>
+                    <a:ext uri="{FF2B5EF4-FFF2-40B4-BE49-F238E27FC236}">
+                      <a16:creationId xmlns:a16="http://schemas.microsoft.com/office/drawing/2014/main" id="{8B8B079B-407A-1E3D-9DF4-B6D6EC61BB13}"/>
+                    </a:ext>
+                  </a:extLst>
+                </p:cNvPr>
+                <p:cNvPicPr/>
+                <p:nvPr/>
+              </p:nvPicPr>
+              <p:blipFill>
+                <a:blip r:embed="rId5"/>
+                <a:stretch>
+                  <a:fillRect/>
+                </a:stretch>
+              </p:blipFill>
+              <p:spPr>
+                <a:xfrm>
+                  <a:off x="6083928" y="263681"/>
+                  <a:ext cx="542880" cy="923040"/>
+                </a:xfrm>
+                <a:prstGeom prst="rect">
+                  <a:avLst/>
+                </a:prstGeom>
+              </p:spPr>
+            </p:pic>
+          </mc:Fallback>
+        </mc:AlternateContent>
+      </p:grpSp>
     </p:spTree>
     <p:extLst>
       <p:ext uri="{BB962C8B-B14F-4D97-AF65-F5344CB8AC3E}">
